--- a/1HUST-Theme-PPT/v1顶边16-9.pptx
+++ b/1HUST-Theme-PPT/v1顶边16-9.pptx
@@ -422,7 +422,7 @@
             </a:pPr>
             <a:fld id="{E4551058-E5DB-324A-A8E9-6D3BEF243C3B}" type="datetimeFigureOut">
               <a:rPr kumimoji="1" lang="zh-CN" altLang="en-US" smtClean="0"/>
-              <a:t>2026/1/18</a:t>
+              <a:t>2026/1/21</a:t>
             </a:fld>
             <a:endParaRPr kumimoji="1" lang="zh-CN" altLang="en-US"/>
           </a:p>
@@ -829,7 +829,7 @@
             </a:pPr>
             <a:fld id="{E4551058-E5DB-324A-A8E9-6D3BEF243C3B}" type="datetimeFigureOut">
               <a:rPr kumimoji="1" lang="zh-CN" altLang="en-US" smtClean="0"/>
-              <a:t>2026/1/18</a:t>
+              <a:t>2026/1/21</a:t>
             </a:fld>
             <a:endParaRPr kumimoji="1" lang="zh-CN" altLang="en-US"/>
           </a:p>
@@ -1116,7 +1116,7 @@
             </a:pPr>
             <a:fld id="{E4551058-E5DB-324A-A8E9-6D3BEF243C3B}" type="datetimeFigureOut">
               <a:rPr kumimoji="1" lang="zh-CN" altLang="en-US" smtClean="0"/>
-              <a:t>2026/1/18</a:t>
+              <a:t>2026/1/21</a:t>
             </a:fld>
             <a:endParaRPr kumimoji="1" lang="zh-CN" altLang="en-US"/>
           </a:p>
@@ -1518,7 +1518,7 @@
             </a:pPr>
             <a:fld id="{E4551058-E5DB-324A-A8E9-6D3BEF243C3B}" type="datetimeFigureOut">
               <a:rPr kumimoji="1" lang="zh-CN" altLang="en-US" smtClean="0"/>
-              <a:t>2026/1/18</a:t>
+              <a:t>2026/1/21</a:t>
             </a:fld>
             <a:endParaRPr kumimoji="1" lang="zh-CN" altLang="en-US"/>
           </a:p>
@@ -1755,7 +1755,7 @@
             </a:pPr>
             <a:fld id="{E4551058-E5DB-324A-A8E9-6D3BEF243C3B}" type="datetimeFigureOut">
               <a:rPr kumimoji="1" lang="zh-CN" altLang="en-US" smtClean="0"/>
-              <a:t>2026/1/18</a:t>
+              <a:t>2026/1/21</a:t>
             </a:fld>
             <a:endParaRPr kumimoji="1" lang="zh-CN" altLang="en-US"/>
           </a:p>
@@ -1987,7 +1987,7 @@
             </a:pPr>
             <a:fld id="{E4551058-E5DB-324A-A8E9-6D3BEF243C3B}" type="datetimeFigureOut">
               <a:rPr kumimoji="1" lang="zh-CN" altLang="en-US" smtClean="0"/>
-              <a:t>2026/1/18</a:t>
+              <a:t>2026/1/21</a:t>
             </a:fld>
             <a:endParaRPr kumimoji="1" lang="zh-CN" altLang="en-US"/>
           </a:p>
@@ -2567,7 +2567,7 @@
             </a:pPr>
             <a:fld id="{E4551058-E5DB-324A-A8E9-6D3BEF243C3B}" type="datetimeFigureOut">
               <a:rPr kumimoji="1" lang="zh-CN" altLang="en-US" smtClean="0"/>
-              <a:t>2026/1/18</a:t>
+              <a:t>2026/1/21</a:t>
             </a:fld>
             <a:endParaRPr kumimoji="1" lang="zh-CN" altLang="en-US" dirty="0"/>
           </a:p>
@@ -2951,7 +2951,7 @@
             </a:pPr>
             <a:fld id="{E4551058-E5DB-324A-A8E9-6D3BEF243C3B}" type="datetimeFigureOut">
               <a:rPr kumimoji="1" lang="zh-CN" altLang="en-US" smtClean="0"/>
-              <a:t>2026/1/18</a:t>
+              <a:t>2026/1/21</a:t>
             </a:fld>
             <a:endParaRPr kumimoji="1" lang="zh-CN" altLang="en-US"/>
           </a:p>
@@ -3466,7 +3466,7 @@
             </a:pPr>
             <a:fld id="{E4551058-E5DB-324A-A8E9-6D3BEF243C3B}" type="datetimeFigureOut">
               <a:rPr kumimoji="1" lang="zh-CN" altLang="en-US" smtClean="0"/>
-              <a:t>2026/1/18</a:t>
+              <a:t>2026/1/21</a:t>
             </a:fld>
             <a:endParaRPr kumimoji="1" lang="zh-CN" altLang="en-US"/>
           </a:p>
@@ -3637,7 +3637,7 @@
             </a:pPr>
             <a:fld id="{E4551058-E5DB-324A-A8E9-6D3BEF243C3B}" type="datetimeFigureOut">
               <a:rPr kumimoji="1" lang="zh-CN" altLang="en-US" smtClean="0"/>
-              <a:t>2026/1/18</a:t>
+              <a:t>2026/1/21</a:t>
             </a:fld>
             <a:endParaRPr kumimoji="1" lang="zh-CN" altLang="en-US"/>
           </a:p>
@@ -3808,7 +3808,7 @@
             </a:pPr>
             <a:fld id="{E4551058-E5DB-324A-A8E9-6D3BEF243C3B}" type="datetimeFigureOut">
               <a:rPr kumimoji="1" lang="zh-CN" altLang="en-US" smtClean="0"/>
-              <a:t>2026/1/18</a:t>
+              <a:t>2026/1/21</a:t>
             </a:fld>
             <a:endParaRPr kumimoji="1" lang="zh-CN" altLang="en-US"/>
           </a:p>
@@ -4348,7 +4348,7 @@
             </a:pPr>
             <a:fld id="{E4551058-E5DB-324A-A8E9-6D3BEF243C3B}" type="datetimeFigureOut">
               <a:rPr kumimoji="1" lang="zh-CN" altLang="en-US" smtClean="0"/>
-              <a:t>2026/1/18</a:t>
+              <a:t>2026/1/21</a:t>
             </a:fld>
             <a:endParaRPr kumimoji="1" lang="zh-CN" altLang="en-US" dirty="0"/>
           </a:p>
@@ -4715,7 +4715,7 @@
             </a:pPr>
             <a:fld id="{E4551058-E5DB-324A-A8E9-6D3BEF243C3B}" type="datetimeFigureOut">
               <a:rPr kumimoji="1" lang="zh-CN" altLang="en-US" smtClean="0"/>
-              <a:t>2026/1/18</a:t>
+              <a:t>2026/1/21</a:t>
             </a:fld>
             <a:endParaRPr kumimoji="1" lang="zh-CN" altLang="en-US"/>
           </a:p>
@@ -5380,7 +5380,7 @@
             <a:ext cx="10993549" cy="2123126"/>
           </a:xfrm>
           <a:ln>
-            <a:solidFill/>
+            <a:noFill/>
           </a:ln>
         </p:spPr>
         <p:txBody>
@@ -5451,7 +5451,7 @@
             <a:ext cx="10993547" cy="1340999"/>
           </a:xfrm>
           <a:ln>
-            <a:solidFill/>
+            <a:noFill/>
           </a:ln>
         </p:spPr>
         <p:txBody>
@@ -5587,7 +5587,7 @@
         </p:nvSpPr>
         <p:spPr>
           <a:ln>
-            <a:solidFill/>
+            <a:noFill/>
           </a:ln>
         </p:spPr>
         <p:txBody>
@@ -5626,7 +5626,7 @@
         </p:nvSpPr>
         <p:spPr>
           <a:ln>
-            <a:solidFill/>
+            <a:noFill/>
           </a:ln>
         </p:spPr>
         <p:txBody>
@@ -5743,7 +5743,7 @@
         </p:nvSpPr>
         <p:spPr>
           <a:ln>
-            <a:solidFill/>
+            <a:noFill/>
           </a:ln>
         </p:spPr>
         <p:txBody>
@@ -5922,7 +5922,7 @@
         </p:nvSpPr>
         <p:spPr>
           <a:ln>
-            <a:solidFill/>
+            <a:noFill/>
           </a:ln>
         </p:spPr>
         <p:txBody>
@@ -5997,7 +5997,7 @@
         </p:nvSpPr>
         <p:spPr>
           <a:ln>
-            <a:solidFill/>
+            <a:noFill/>
           </a:ln>
         </p:spPr>
         <p:txBody>
@@ -6037,7 +6037,7 @@
         </p:nvSpPr>
         <p:spPr>
           <a:ln>
-            <a:solidFill/>
+            <a:noFill/>
           </a:ln>
         </p:spPr>
         <p:txBody>
@@ -6150,7 +6150,7 @@
         </p:nvSpPr>
         <p:spPr>
           <a:ln>
-            <a:solidFill/>
+            <a:noFill/>
           </a:ln>
         </p:spPr>
         <p:txBody>
@@ -6190,7 +6190,7 @@
         </p:nvSpPr>
         <p:spPr>
           <a:ln>
-            <a:solidFill/>
+            <a:noFill/>
           </a:ln>
         </p:spPr>
         <p:txBody>
@@ -6376,7 +6376,7 @@
         </p:nvSpPr>
         <p:spPr>
           <a:ln>
-            <a:solidFill/>
+            <a:noFill/>
           </a:ln>
         </p:spPr>
         <p:txBody>
@@ -6451,7 +6451,7 @@
         </p:nvSpPr>
         <p:spPr>
           <a:ln>
-            <a:solidFill/>
+            <a:noFill/>
           </a:ln>
         </p:spPr>
         <p:txBody>
@@ -6490,7 +6490,7 @@
         </p:nvSpPr>
         <p:spPr>
           <a:ln>
-            <a:solidFill/>
+            <a:noFill/>
           </a:ln>
         </p:spPr>
         <p:txBody>
@@ -6565,7 +6565,7 @@
         </p:nvSpPr>
         <p:spPr>
           <a:ln>
-            <a:solidFill/>
+            <a:noFill/>
           </a:ln>
         </p:spPr>
         <p:txBody>
@@ -6604,7 +6604,7 @@
         </p:nvSpPr>
         <p:spPr>
           <a:ln>
-            <a:solidFill/>
+            <a:noFill/>
           </a:ln>
         </p:spPr>
         <p:txBody>
@@ -6686,7 +6686,7 @@
         </p:nvSpPr>
         <p:spPr>
           <a:ln>
-            <a:solidFill/>
+            <a:noFill/>
           </a:ln>
         </p:spPr>
         <p:txBody>
@@ -6725,7 +6725,7 @@
         </p:nvSpPr>
         <p:spPr>
           <a:ln>
-            <a:solidFill/>
+            <a:noFill/>
           </a:ln>
         </p:spPr>
         <p:txBody>
@@ -6814,7 +6814,7 @@
         </p:nvSpPr>
         <p:spPr>
           <a:ln>
-            <a:solidFill/>
+            <a:noFill/>
           </a:ln>
         </p:spPr>
         <p:txBody>
@@ -6853,7 +6853,7 @@
         </p:nvSpPr>
         <p:spPr>
           <a:ln>
-            <a:solidFill/>
+            <a:noFill/>
           </a:ln>
         </p:spPr>
         <p:txBody>
